--- a/Terraform cmds.pptx
+++ b/Terraform cmds.pptx
@@ -109,6 +109,11 @@
       </a:defRPr>
     </a:lvl9pPr>
   </p:defaultTextStyle>
+  <p:extLst>
+    <p:ext uri="{EFAFB233-063F-42B5-8137-9DF3F51BA10A}">
+      <p15:sldGuideLst xmlns:p15="http://schemas.microsoft.com/office/powerpoint/2012/main"/>
+    </p:ext>
+  </p:extLst>
 </p:presentation>
 </file>
 
@@ -261,7 +266,7 @@
           <a:p>
             <a:fld id="{2F0A9B73-5C54-483B-870C-40EC4EB42A62}" type="datetimeFigureOut">
               <a:rPr lang="hi-IN" smtClean="0"/>
-              <a:t>मंगलवार, 16 ज्येष्ट 1945</a:t>
+              <a:t>शुक्रवार, 19 ज्येष्ट 1945</a:t>
             </a:fld>
             <a:endParaRPr lang="hi-IN"/>
           </a:p>
@@ -461,7 +466,7 @@
           <a:p>
             <a:fld id="{2F0A9B73-5C54-483B-870C-40EC4EB42A62}" type="datetimeFigureOut">
               <a:rPr lang="hi-IN" smtClean="0"/>
-              <a:t>मंगलवार, 16 ज्येष्ट 1945</a:t>
+              <a:t>शुक्रवार, 19 ज्येष्ट 1945</a:t>
             </a:fld>
             <a:endParaRPr lang="hi-IN"/>
           </a:p>
@@ -671,7 +676,7 @@
           <a:p>
             <a:fld id="{2F0A9B73-5C54-483B-870C-40EC4EB42A62}" type="datetimeFigureOut">
               <a:rPr lang="hi-IN" smtClean="0"/>
-              <a:t>मंगलवार, 16 ज्येष्ट 1945</a:t>
+              <a:t>शुक्रवार, 19 ज्येष्ट 1945</a:t>
             </a:fld>
             <a:endParaRPr lang="hi-IN"/>
           </a:p>
@@ -871,7 +876,7 @@
           <a:p>
             <a:fld id="{2F0A9B73-5C54-483B-870C-40EC4EB42A62}" type="datetimeFigureOut">
               <a:rPr lang="hi-IN" smtClean="0"/>
-              <a:t>मंगलवार, 16 ज्येष्ट 1945</a:t>
+              <a:t>शुक्रवार, 19 ज्येष्ट 1945</a:t>
             </a:fld>
             <a:endParaRPr lang="hi-IN"/>
           </a:p>
@@ -1147,7 +1152,7 @@
           <a:p>
             <a:fld id="{2F0A9B73-5C54-483B-870C-40EC4EB42A62}" type="datetimeFigureOut">
               <a:rPr lang="hi-IN" smtClean="0"/>
-              <a:t>मंगलवार, 16 ज्येष्ट 1945</a:t>
+              <a:t>शुक्रवार, 19 ज्येष्ट 1945</a:t>
             </a:fld>
             <a:endParaRPr lang="hi-IN"/>
           </a:p>
@@ -1415,7 +1420,7 @@
           <a:p>
             <a:fld id="{2F0A9B73-5C54-483B-870C-40EC4EB42A62}" type="datetimeFigureOut">
               <a:rPr lang="hi-IN" smtClean="0"/>
-              <a:t>मंगलवार, 16 ज्येष्ट 1945</a:t>
+              <a:t>शुक्रवार, 19 ज्येष्ट 1945</a:t>
             </a:fld>
             <a:endParaRPr lang="hi-IN"/>
           </a:p>
@@ -1830,7 +1835,7 @@
           <a:p>
             <a:fld id="{2F0A9B73-5C54-483B-870C-40EC4EB42A62}" type="datetimeFigureOut">
               <a:rPr lang="hi-IN" smtClean="0"/>
-              <a:t>मंगलवार, 16 ज्येष्ट 1945</a:t>
+              <a:t>शुक्रवार, 19 ज्येष्ट 1945</a:t>
             </a:fld>
             <a:endParaRPr lang="hi-IN"/>
           </a:p>
@@ -1972,7 +1977,7 @@
           <a:p>
             <a:fld id="{2F0A9B73-5C54-483B-870C-40EC4EB42A62}" type="datetimeFigureOut">
               <a:rPr lang="hi-IN" smtClean="0"/>
-              <a:t>मंगलवार, 16 ज्येष्ट 1945</a:t>
+              <a:t>शुक्रवार, 19 ज्येष्ट 1945</a:t>
             </a:fld>
             <a:endParaRPr lang="hi-IN"/>
           </a:p>
@@ -2085,7 +2090,7 @@
           <a:p>
             <a:fld id="{2F0A9B73-5C54-483B-870C-40EC4EB42A62}" type="datetimeFigureOut">
               <a:rPr lang="hi-IN" smtClean="0"/>
-              <a:t>मंगलवार, 16 ज्येष्ट 1945</a:t>
+              <a:t>शुक्रवार, 19 ज्येष्ट 1945</a:t>
             </a:fld>
             <a:endParaRPr lang="hi-IN"/>
           </a:p>
@@ -2398,7 +2403,7 @@
           <a:p>
             <a:fld id="{2F0A9B73-5C54-483B-870C-40EC4EB42A62}" type="datetimeFigureOut">
               <a:rPr lang="hi-IN" smtClean="0"/>
-              <a:t>मंगलवार, 16 ज्येष्ट 1945</a:t>
+              <a:t>शुक्रवार, 19 ज्येष्ट 1945</a:t>
             </a:fld>
             <a:endParaRPr lang="hi-IN"/>
           </a:p>
@@ -2687,7 +2692,7 @@
           <a:p>
             <a:fld id="{2F0A9B73-5C54-483B-870C-40EC4EB42A62}" type="datetimeFigureOut">
               <a:rPr lang="hi-IN" smtClean="0"/>
-              <a:t>मंगलवार, 16 ज्येष्ट 1945</a:t>
+              <a:t>शुक्रवार, 19 ज्येष्ट 1945</a:t>
             </a:fld>
             <a:endParaRPr lang="hi-IN"/>
           </a:p>
@@ -2930,7 +2935,7 @@
           <a:p>
             <a:fld id="{2F0A9B73-5C54-483B-870C-40EC4EB42A62}" type="datetimeFigureOut">
               <a:rPr lang="hi-IN" smtClean="0"/>
-              <a:t>मंगलवार, 16 ज्येष्ट 1945</a:t>
+              <a:t>शुक्रवार, 19 ज्येष्ट 1945</a:t>
             </a:fld>
             <a:endParaRPr lang="hi-IN"/>
           </a:p>
@@ -3495,76 +3500,101 @@
         <p:spPr/>
         <p:txBody>
           <a:bodyPr>
-            <a:normAutofit fontScale="85000" lnSpcReduction="20000"/>
+            <a:normAutofit fontScale="92500" lnSpcReduction="20000"/>
           </a:bodyPr>
           <a:lstStyle/>
           <a:p>
             <a:r>
-              <a:rPr lang="en-US" dirty="0"/>
-              <a:t>Purpose: terraform </a:t>
-            </a:r>
-            <a:r>
-              <a:rPr lang="en-US" dirty="0" err="1"/>
+              <a:rPr lang="en-US" b="1" dirty="0">
+                <a:latin typeface="+mj-lt"/>
+              </a:rPr>
+              <a:t>Purpose: </a:t>
+            </a:r>
+            <a:r>
+              <a:rPr lang="en-US" dirty="0">
+                <a:latin typeface="+mj-lt"/>
+              </a:rPr>
+              <a:t>terraform </a:t>
+            </a:r>
+            <a:r>
+              <a:rPr lang="en-US" dirty="0" err="1">
+                <a:latin typeface="+mj-lt"/>
+              </a:rPr>
               <a:t>init</a:t>
             </a:r>
             <a:r>
-              <a:rPr lang="en-US" dirty="0"/>
+              <a:rPr lang="en-US" dirty="0">
+                <a:latin typeface="+mj-lt"/>
+              </a:rPr>
               <a:t> initializes a Terraform working directory, setting up the necessary components for managing infrastructure using Terraform.</a:t>
             </a:r>
           </a:p>
           <a:p>
             <a:r>
-              <a:rPr lang="en-US" dirty="0"/>
-              <a:t>Usage: Open a terminal, navigate to your Terraform project directory, and run terraform </a:t>
-            </a:r>
-            <a:r>
-              <a:rPr lang="en-US" dirty="0" err="1"/>
+              <a:rPr lang="en-US" b="1" dirty="0">
+                <a:latin typeface="+mj-lt"/>
+              </a:rPr>
+              <a:t>Usage: </a:t>
+            </a:r>
+            <a:r>
+              <a:rPr lang="en-US" dirty="0">
+                <a:latin typeface="+mj-lt"/>
+              </a:rPr>
+              <a:t>Open a terminal, navigate to your Terraform project directory, and run terraform </a:t>
+            </a:r>
+            <a:r>
+              <a:rPr lang="en-US" dirty="0" err="1">
+                <a:latin typeface="+mj-lt"/>
+              </a:rPr>
               <a:t>init.</a:t>
             </a:r>
-            <a:endParaRPr lang="en-US" dirty="0"/>
-          </a:p>
-          <a:p>
-            <a:r>
-              <a:rPr lang="en-US" dirty="0"/>
-              <a:t>Example Scenario: Suppose you have a project where you want to provision and manage AWS EC2 instances using Terraform. After setting up your project directory and creating the necessary Terraform files, you run terraform </a:t>
-            </a:r>
-            <a:r>
-              <a:rPr lang="en-US" dirty="0" err="1"/>
+            <a:endParaRPr lang="en-US" dirty="0">
+              <a:latin typeface="+mj-lt"/>
+            </a:endParaRPr>
+          </a:p>
+          <a:p>
+            <a:r>
+              <a:rPr lang="en-US" b="1" dirty="0">
+                <a:latin typeface="+mj-lt"/>
+              </a:rPr>
+              <a:t>Example </a:t>
+            </a:r>
+            <a:r>
+              <a:rPr lang="en-US" dirty="0">
+                <a:latin typeface="+mj-lt"/>
+              </a:rPr>
+              <a:t>Scenario: Suppose you have a project where you want to provision and manage AWS EC2 instances using Terraform. After setting up your project directory and creating the necessary Terraform files, you run terraform </a:t>
+            </a:r>
+            <a:r>
+              <a:rPr lang="en-US" dirty="0" err="1">
+                <a:latin typeface="+mj-lt"/>
+              </a:rPr>
               <a:t>init</a:t>
             </a:r>
             <a:r>
-              <a:rPr lang="en-US" dirty="0"/>
+              <a:rPr lang="en-US" dirty="0">
+                <a:latin typeface="+mj-lt"/>
+              </a:rPr>
               <a:t> to initialize the working directory. This command performs the following tasks:</a:t>
             </a:r>
           </a:p>
           <a:p>
             <a:pPr lvl="1"/>
             <a:r>
-              <a:rPr lang="en-US" dirty="0"/>
+              <a:rPr lang="en-US" dirty="0">
+                <a:latin typeface="+mj-lt"/>
+              </a:rPr>
               <a:t>Downloads the required provider plugins, such as the AWS provider plugin, to interact with the AWS platform.</a:t>
             </a:r>
           </a:p>
           <a:p>
             <a:pPr lvl="1"/>
             <a:r>
-              <a:rPr lang="en-US" dirty="0"/>
+              <a:rPr lang="en-US" dirty="0">
+                <a:latin typeface="+mj-lt"/>
+              </a:rPr>
               <a:t>Sets up the local Terraform environment, including creating a .terraform directory to store downloaded plugins and other necessary files.</a:t>
             </a:r>
-          </a:p>
-          <a:p>
-            <a:pPr lvl="1"/>
-            <a:r>
-              <a:rPr lang="en-US" dirty="0"/>
-              <a:t>Checks for any backend configurations and initializes the backend, if specified.</a:t>
-            </a:r>
-          </a:p>
-          <a:p>
-            <a:pPr lvl="1"/>
-            <a:r>
-              <a:rPr lang="en-US" dirty="0"/>
-              <a:t>Verifies and prepares the Terraform environment for subsequent commands.</a:t>
-            </a:r>
-            <a:endParaRPr lang="hi-IN" dirty="0"/>
           </a:p>
         </p:txBody>
       </p:sp>
@@ -3622,65 +3652,117 @@
           <a:lstStyle/>
           <a:p>
             <a:r>
-              <a:rPr lang="en-US" dirty="0"/>
-              <a:t>Purpose: terraform plan generates an execution plan that describes the changes Terraform will make to your infrastructure resources based on the current configuration files.</a:t>
-            </a:r>
-          </a:p>
-          <a:p>
-            <a:r>
-              <a:rPr lang="en-US" dirty="0"/>
-              <a:t>Usage: After running terraform </a:t>
-            </a:r>
-            <a:r>
-              <a:rPr lang="en-US" dirty="0" err="1"/>
+              <a:rPr lang="en-US" b="1" dirty="0">
+                <a:latin typeface="+mj-lt"/>
+              </a:rPr>
+              <a:t>Purpose: </a:t>
+            </a:r>
+            <a:r>
+              <a:rPr lang="en-US" dirty="0">
+                <a:latin typeface="+mj-lt"/>
+              </a:rPr>
+              <a:t>terraform plan generates an execution plan that describes the changes Terraform will make to your infrastructure resources based on the current configuration files.</a:t>
+            </a:r>
+          </a:p>
+          <a:p>
+            <a:r>
+              <a:rPr lang="en-US" b="1" dirty="0">
+                <a:latin typeface="+mj-lt"/>
+              </a:rPr>
+              <a:t>Usage</a:t>
+            </a:r>
+            <a:r>
+              <a:rPr lang="en-US" dirty="0">
+                <a:latin typeface="+mj-lt"/>
+              </a:rPr>
+              <a:t>: After running terraform </a:t>
+            </a:r>
+            <a:r>
+              <a:rPr lang="en-US" dirty="0" err="1">
+                <a:latin typeface="+mj-lt"/>
+              </a:rPr>
               <a:t>init</a:t>
             </a:r>
             <a:r>
-              <a:rPr lang="en-US" dirty="0"/>
+              <a:rPr lang="en-US" dirty="0">
+                <a:latin typeface="+mj-lt"/>
+              </a:rPr>
               <a:t>, navigate to your project directory in the terminal and execute terraform plan.</a:t>
             </a:r>
           </a:p>
           <a:p>
             <a:r>
-              <a:rPr lang="en-US" dirty="0"/>
-              <a:t>Example Scenario: Continuing from the previous example, suppose you have defined your infrastructure configuration in Terraform files and have initialized the working directory. Running terraform plan will perform the following actions:</a:t>
+              <a:rPr lang="en-US" b="1" dirty="0">
+                <a:latin typeface="+mj-lt"/>
+              </a:rPr>
+              <a:t>Example Scenario: </a:t>
+            </a:r>
+            <a:r>
+              <a:rPr lang="en-US" dirty="0">
+                <a:latin typeface="+mj-lt"/>
+              </a:rPr>
+              <a:t>Continuing from the previous example, suppose you have defined your infrastructure configuration in Terraform files and have initialized the working directory. Running terraform plan will perform the following actions:</a:t>
             </a:r>
           </a:p>
           <a:p>
             <a:pPr lvl="1"/>
             <a:r>
-              <a:rPr lang="en-US" dirty="0"/>
+              <a:rPr lang="en-US" dirty="0">
+                <a:latin typeface="+mj-lt"/>
+              </a:rPr>
               <a:t>Reads the configuration files and the current state of your infrastructure (from the state file).</a:t>
             </a:r>
           </a:p>
           <a:p>
             <a:pPr lvl="1"/>
             <a:r>
-              <a:rPr lang="en-US" dirty="0"/>
-              <a:t>Analyzes the differences between the current state and the desired state defined in the configuration files.</a:t>
+              <a:rPr lang="en-US" dirty="0">
+                <a:latin typeface="+mj-lt"/>
+              </a:rPr>
+              <a:t>Analyzes the differences between the current state and the desired st</a:t>
+            </a:r>
+            <a:r>
+              <a:rPr lang="en-US" u="sng" dirty="0">
+                <a:latin typeface="+mj-lt"/>
+              </a:rPr>
+              <a:t>ate </a:t>
+            </a:r>
+            <a:r>
+              <a:rPr lang="en-US" dirty="0">
+                <a:latin typeface="+mj-lt"/>
+              </a:rPr>
+              <a:t>defined in the configuration files.</a:t>
             </a:r>
           </a:p>
           <a:p>
             <a:pPr lvl="1"/>
             <a:r>
-              <a:rPr lang="en-US" dirty="0"/>
+              <a:rPr lang="en-US" dirty="0">
+                <a:latin typeface="+mj-lt"/>
+              </a:rPr>
               <a:t>Generates an execution plan that outlines the actions Terraform will take to reach the desired state.</a:t>
             </a:r>
           </a:p>
           <a:p>
             <a:pPr lvl="1"/>
             <a:r>
-              <a:rPr lang="en-US" dirty="0"/>
+              <a:rPr lang="en-US" dirty="0">
+                <a:latin typeface="+mj-lt"/>
+              </a:rPr>
               <a:t>Displays a detailed summary of the planned changes, including resource creation, modification, or deletion, along with any associated dependencies or warnings.</a:t>
             </a:r>
           </a:p>
           <a:p>
             <a:pPr lvl="1"/>
             <a:r>
-              <a:rPr lang="en-US" dirty="0"/>
+              <a:rPr lang="en-US" dirty="0">
+                <a:latin typeface="+mj-lt"/>
+              </a:rPr>
               <a:t>The plan is not applied at this stage; it is simply a preview of the changes that will occur.</a:t>
             </a:r>
-            <a:endParaRPr lang="hi-IN" dirty="0"/>
+            <a:endParaRPr lang="hi-IN" dirty="0">
+              <a:latin typeface="+mj-lt"/>
+            </a:endParaRPr>
           </a:p>
         </p:txBody>
       </p:sp>
@@ -3876,20 +3958,32 @@
           <a:lstStyle/>
           <a:p>
             <a:r>
+              <a:rPr lang="en-US" b="1" dirty="0"/>
+              <a:t>Purpose: </a:t>
+            </a:r>
+            <a:r>
               <a:rPr lang="en-US" dirty="0"/>
-              <a:t>Purpose: terraform apply applies the execution plan generated by terraform plan and makes the necessary changes to provision or modify infrastructure resources.</a:t>
-            </a:r>
-          </a:p>
-          <a:p>
+              <a:t>terraform apply applies the execution plan generated by terraform plan and makes the necessary changes to provision or modify infrastructure resources.</a:t>
+            </a:r>
+          </a:p>
+          <a:p>
+            <a:r>
+              <a:rPr lang="en-US" b="1" dirty="0"/>
+              <a:t>Usage: </a:t>
+            </a:r>
             <a:r>
               <a:rPr lang="en-US" dirty="0"/>
-              <a:t>Usage: After reviewing the plan generated by terraform plan, execute terraform apply to apply the changes.</a:t>
-            </a:r>
-          </a:p>
-          <a:p>
+              <a:t>After reviewing the plan generated by terraform plan, execute terraform apply to apply the changes.</a:t>
+            </a:r>
+          </a:p>
+          <a:p>
+            <a:r>
+              <a:rPr lang="en-US" b="1" dirty="0"/>
+              <a:t>Example Scenario: </a:t>
+            </a:r>
             <a:r>
               <a:rPr lang="en-US" dirty="0"/>
-              <a:t>Example Scenario: After running terraform plan and reviewing the plan, you can proceed with applying the changes by executing terraform apply. Here's what happens when you run this command:</a:t>
+              <a:t>After running terraform plan and reviewing the plan, you can proceed with applying the changes by executing terraform apply. Here's what happens when you run this command:</a:t>
             </a:r>
           </a:p>
           <a:p>
